--- a/AOT2ProjectPresentation.pptx
+++ b/AOT2ProjectPresentation.pptx
@@ -121,7 +121,7 @@
   </p:defaultTextStyle>
   <p:extLst>
     <p:ext uri="{EFAFB233-063F-42B5-8137-9DF3F51BA10A}">
-      <p15:sldGuideLst xmlns:p15="http://schemas.microsoft.com/office/powerpoint/2012/main" xmlns="">
+      <p15:sldGuideLst xmlns="" xmlns:p15="http://schemas.microsoft.com/office/powerpoint/2012/main">
         <p15:guide id="1" orient="horz" pos="2160">
           <p15:clr>
             <a:srgbClr val="A4A3A4"/>
@@ -13883,7 +13883,7 @@
       </p:pic>
       <p:pic>
         <p:nvPicPr>
-          <p:cNvPr id="5" name="Picture 4" descr="535px-5_stars.svg.png"/>
+          <p:cNvPr id="6" name="Picture 5" descr="535px-2_stars.svg.png"/>
           <p:cNvPicPr>
             <a:picLocks noChangeAspect="1"/>
           </p:cNvPicPr>
@@ -13903,7 +13903,7 @@
         </p:blipFill>
         <p:spPr>
           <a:xfrm>
-            <a:off x="2846815" y="4828185"/>
+            <a:off x="2768929" y="4830479"/>
             <a:ext cx="3371712" cy="693249"/>
           </a:xfrm>
           <a:prstGeom prst="rect">
@@ -14389,7 +14389,7 @@
   <a:extraClrSchemeLst/>
   <a:extLst>
     <a:ext uri="{05A4C25C-085E-4340-85A3-A5531E510DB2}">
-      <thm15:themeFamily xmlns:thm15="http://schemas.microsoft.com/office/thememl/2012/main" xmlns="" name="Circuit" id="{0AC2F7E7-15F5-431C-B2A2-456FE929F56C}" vid="{0911B802-464C-4241-8DD9-B60FF88E379F}"/>
+      <thm15:themeFamily xmlns="" xmlns:thm15="http://schemas.microsoft.com/office/thememl/2012/main" name="Circuit" id="{0AC2F7E7-15F5-431C-B2A2-456FE929F56C}" vid="{0911B802-464C-4241-8DD9-B60FF88E379F}"/>
     </a:ext>
   </a:extLst>
 </a:theme>

--- a/AOT2ProjectPresentation.pptx
+++ b/AOT2ProjectPresentation.pptx
@@ -12721,6 +12721,13 @@
   <p:clrMapOvr>
     <a:masterClrMapping/>
   </p:clrMapOvr>
+  <p:timing>
+    <p:tnLst>
+      <p:par>
+        <p:cTn xmlns:p14="http://schemas.microsoft.com/office/powerpoint/2010/main" id="1" dur="indefinite" restart="never" nodeType="tmRoot"/>
+      </p:par>
+    </p:tnLst>
+  </p:timing>
 </p:sld>
 </file>
 
@@ -12828,7 +12835,7 @@
         </p:blipFill>
         <p:spPr>
           <a:xfrm>
-            <a:off x="4227689" y="2398889"/>
+            <a:off x="4536441" y="2976231"/>
             <a:ext cx="4459111" cy="4459111"/>
           </a:xfrm>
           <a:prstGeom prst="rect">
@@ -12876,6 +12883,13 @@
   <p:clrMapOvr>
     <a:masterClrMapping/>
   </p:clrMapOvr>
+  <p:timing>
+    <p:tnLst>
+      <p:par>
+        <p:cTn xmlns:p14="http://schemas.microsoft.com/office/powerpoint/2010/main" id="1" dur="indefinite" restart="never" nodeType="tmRoot"/>
+      </p:par>
+    </p:tnLst>
+  </p:timing>
 </p:sld>
 </file>
 
@@ -12974,6 +12988,13 @@
   <p:clrMapOvr>
     <a:masterClrMapping/>
   </p:clrMapOvr>
+  <p:timing>
+    <p:tnLst>
+      <p:par>
+        <p:cTn xmlns:p14="http://schemas.microsoft.com/office/powerpoint/2010/main" id="1" dur="indefinite" restart="never" nodeType="tmRoot"/>
+      </p:par>
+    </p:tnLst>
+  </p:timing>
 </p:sld>
 </file>
 
@@ -13034,6 +13055,13 @@
   <p:clrMapOvr>
     <a:masterClrMapping/>
   </p:clrMapOvr>
+  <p:timing>
+    <p:tnLst>
+      <p:par>
+        <p:cTn xmlns:p14="http://schemas.microsoft.com/office/powerpoint/2010/main" id="1" dur="indefinite" restart="never" nodeType="tmRoot"/>
+      </p:par>
+    </p:tnLst>
+  </p:timing>
 </p:sld>
 </file>
 
@@ -13094,6 +13122,13 @@
   <p:clrMapOvr>
     <a:masterClrMapping/>
   </p:clrMapOvr>
+  <p:timing>
+    <p:tnLst>
+      <p:par>
+        <p:cTn xmlns:p14="http://schemas.microsoft.com/office/powerpoint/2010/main" id="1" dur="indefinite" restart="never" nodeType="tmRoot"/>
+      </p:par>
+    </p:tnLst>
+  </p:timing>
 </p:sld>
 </file>
 
@@ -13215,6 +13250,13 @@
   <p:clrMapOvr>
     <a:masterClrMapping/>
   </p:clrMapOvr>
+  <p:timing>
+    <p:tnLst>
+      <p:par>
+        <p:cTn xmlns:p14="http://schemas.microsoft.com/office/powerpoint/2010/main" id="1" dur="indefinite" restart="never" nodeType="tmRoot"/>
+      </p:par>
+    </p:tnLst>
+  </p:timing>
 </p:sld>
 </file>
 
@@ -13361,6 +13403,13 @@
   <p:clrMapOvr>
     <a:masterClrMapping/>
   </p:clrMapOvr>
+  <p:timing>
+    <p:tnLst>
+      <p:par>
+        <p:cTn xmlns:p14="http://schemas.microsoft.com/office/powerpoint/2010/main" id="1" dur="indefinite" restart="never" nodeType="tmRoot"/>
+      </p:par>
+    </p:tnLst>
+  </p:timing>
 </p:sld>
 </file>
 
@@ -13499,6 +13548,13 @@
   <p:clrMapOvr>
     <a:masterClrMapping/>
   </p:clrMapOvr>
+  <p:timing>
+    <p:tnLst>
+      <p:par>
+        <p:cTn xmlns:p14="http://schemas.microsoft.com/office/powerpoint/2010/main" id="1" dur="indefinite" restart="never" nodeType="tmRoot"/>
+      </p:par>
+    </p:tnLst>
+  </p:timing>
 </p:sld>
 </file>
 
@@ -13635,6 +13691,13 @@
   <p:clrMapOvr>
     <a:masterClrMapping/>
   </p:clrMapOvr>
+  <p:timing>
+    <p:tnLst>
+      <p:par>
+        <p:cTn xmlns:p14="http://schemas.microsoft.com/office/powerpoint/2010/main" id="1" dur="indefinite" restart="never" nodeType="tmRoot"/>
+      </p:par>
+    </p:tnLst>
+  </p:timing>
 </p:sld>
 </file>
 
@@ -13768,6 +13831,13 @@
   <p:clrMapOvr>
     <a:masterClrMapping/>
   </p:clrMapOvr>
+  <p:timing>
+    <p:tnLst>
+      <p:par>
+        <p:cTn xmlns:p14="http://schemas.microsoft.com/office/powerpoint/2010/main" id="1" dur="indefinite" restart="never" nodeType="tmRoot"/>
+      </p:par>
+    </p:tnLst>
+  </p:timing>
 </p:sld>
 </file>
 
@@ -13921,6 +13991,13 @@
   <p:clrMapOvr>
     <a:masterClrMapping/>
   </p:clrMapOvr>
+  <p:timing>
+    <p:tnLst>
+      <p:par>
+        <p:cTn xmlns:p14="http://schemas.microsoft.com/office/powerpoint/2010/main" id="1" dur="indefinite" restart="never" nodeType="tmRoot"/>
+      </p:par>
+    </p:tnLst>
+  </p:timing>
 </p:sld>
 </file>
 
@@ -14059,6 +14136,13 @@
   <p:clrMapOvr>
     <a:masterClrMapping/>
   </p:clrMapOvr>
+  <p:timing>
+    <p:tnLst>
+      <p:par>
+        <p:cTn xmlns:p14="http://schemas.microsoft.com/office/powerpoint/2010/main" id="1" dur="indefinite" restart="never" nodeType="tmRoot"/>
+      </p:par>
+    </p:tnLst>
+  </p:timing>
 </p:sld>
 </file>
 
@@ -14141,6 +14225,13 @@
   <p:clrMapOvr>
     <a:masterClrMapping/>
   </p:clrMapOvr>
+  <p:timing>
+    <p:tnLst>
+      <p:par>
+        <p:cTn xmlns:p14="http://schemas.microsoft.com/office/powerpoint/2010/main" id="1" dur="indefinite" restart="never" nodeType="tmRoot"/>
+      </p:par>
+    </p:tnLst>
+  </p:timing>
 </p:sld>
 </file>
 
